--- a/03.Ethereum, Smart Contracts/03.Blockchain-Ethereum, Smart Contracts Introduction-Presentation.pptx
+++ b/03.Ethereum, Smart Contracts/03.Blockchain-Ethereum, Smart Contracts Introduction-Presentation.pptx
@@ -3231,6 +3231,44 @@
           </a:xfrm>
         </p:spPr>
       </p:pic>
+      <p:sp>
+        <p:nvSpPr>
+          <p:cNvPr id="3" name="TextBox 2"/>
+          <p:cNvSpPr txBox="1"/>
+          <p:nvPr/>
+        </p:nvSpPr>
+        <p:spPr>
+          <a:xfrm>
+            <a:off x="1228437" y="5966690"/>
+            <a:ext cx="10852727" cy="307777"/>
+          </a:xfrm>
+          <a:prstGeom prst="rect">
+            <a:avLst/>
+          </a:prstGeom>
+          <a:noFill/>
+        </p:spPr>
+        <p:txBody>
+          <a:bodyPr wrap="square" rtlCol="0">
+            <a:spAutoFit/>
+          </a:bodyPr>
+          <a:lstStyle/>
+          <a:p>
+            <a:r>
+              <a:rPr lang="en-GB" sz="1400" dirty="0">
+                <a:hlinkClick r:id="rId3"/>
+              </a:rPr>
+              <a:t>https://</a:t>
+            </a:r>
+            <a:r>
+              <a:rPr lang="en-GB" sz="1400" dirty="0" smtClean="0">
+                <a:hlinkClick r:id="rId3"/>
+              </a:rPr>
+              <a:t>github.com/mdamyanova/Blockchain-Basics-Mini-Course/blob/master/03.Ethereum%2C%20Smart%20Contracts/Demo/Cat.sol</a:t>
+            </a:r>
+            <a:endParaRPr lang="en-GB" dirty="0"/>
+          </a:p>
+        </p:txBody>
+      </p:sp>
     </p:spTree>
     <p:extLst>
       <p:ext uri="{BB962C8B-B14F-4D97-AF65-F5344CB8AC3E}">
@@ -3241,6 +3279,95 @@
   <p:clrMapOvr>
     <a:masterClrMapping/>
   </p:clrMapOvr>
+  <p:timing>
+    <p:tnLst>
+      <p:par>
+        <p:cTn id="1" dur="indefinite" restart="never" nodeType="tmRoot">
+          <p:childTnLst>
+            <p:seq concurrent="1" nextAc="seek">
+              <p:cTn id="2" dur="indefinite" nodeType="mainSeq">
+                <p:childTnLst>
+                  <p:par>
+                    <p:cTn id="3" fill="hold">
+                      <p:stCondLst>
+                        <p:cond delay="indefinite"/>
+                        <p:cond evt="onBegin" delay="0">
+                          <p:tn val="2"/>
+                        </p:cond>
+                      </p:stCondLst>
+                      <p:childTnLst>
+                        <p:par>
+                          <p:cTn id="4" fill="hold">
+                            <p:stCondLst>
+                              <p:cond delay="0"/>
+                            </p:stCondLst>
+                            <p:childTnLst>
+                              <p:par>
+                                <p:cTn id="5" presetID="10" presetClass="entr" presetSubtype="0" fill="hold" grpId="0" nodeType="withEffect">
+                                  <p:stCondLst>
+                                    <p:cond delay="0"/>
+                                  </p:stCondLst>
+                                  <p:childTnLst>
+                                    <p:set>
+                                      <p:cBhvr>
+                                        <p:cTn id="6" dur="1" fill="hold">
+                                          <p:stCondLst>
+                                            <p:cond delay="0"/>
+                                          </p:stCondLst>
+                                        </p:cTn>
+                                        <p:tgtEl>
+                                          <p:spTgt spid="3"/>
+                                        </p:tgtEl>
+                                        <p:attrNameLst>
+                                          <p:attrName>style.visibility</p:attrName>
+                                        </p:attrNameLst>
+                                      </p:cBhvr>
+                                      <p:to>
+                                        <p:strVal val="visible"/>
+                                      </p:to>
+                                    </p:set>
+                                    <p:animEffect transition="in" filter="fade">
+                                      <p:cBhvr>
+                                        <p:cTn id="7" dur="500"/>
+                                        <p:tgtEl>
+                                          <p:spTgt spid="3"/>
+                                        </p:tgtEl>
+                                      </p:cBhvr>
+                                    </p:animEffect>
+                                  </p:childTnLst>
+                                </p:cTn>
+                              </p:par>
+                            </p:childTnLst>
+                          </p:cTn>
+                        </p:par>
+                      </p:childTnLst>
+                    </p:cTn>
+                  </p:par>
+                </p:childTnLst>
+              </p:cTn>
+              <p:prevCondLst>
+                <p:cond evt="onPrev" delay="0">
+                  <p:tgtEl>
+                    <p:sldTgt/>
+                  </p:tgtEl>
+                </p:cond>
+              </p:prevCondLst>
+              <p:nextCondLst>
+                <p:cond evt="onNext" delay="0">
+                  <p:tgtEl>
+                    <p:sldTgt/>
+                  </p:tgtEl>
+                </p:cond>
+              </p:nextCondLst>
+            </p:seq>
+          </p:childTnLst>
+        </p:cTn>
+      </p:par>
+    </p:tnLst>
+    <p:bldLst>
+      <p:bldP spid="3" grpId="0"/>
+    </p:bldLst>
+  </p:timing>
 </p:sld>
 </file>
 
@@ -3461,7 +3588,7 @@
         <p:spPr>
           <a:xfrm>
             <a:off x="969818" y="1902691"/>
-            <a:ext cx="6428509" cy="1384995"/>
+            <a:ext cx="7755082" cy="2923877"/>
           </a:xfrm>
           <a:prstGeom prst="rect">
             <a:avLst/>
@@ -3479,7 +3606,7 @@
               <a:buChar char="§"/>
             </a:pPr>
             <a:r>
-              <a:rPr lang="en-GB" sz="2800" b="1" dirty="0" smtClean="0">
+              <a:rPr lang="en-GB" sz="2800" b="1" dirty="0" err="1" smtClean="0">
                 <a:solidFill>
                   <a:schemeClr val="accent1">
                     <a:lumMod val="50000"/>
@@ -3488,6 +3615,76 @@
               </a:rPr>
               <a:t>Ethereum</a:t>
             </a:r>
+            <a:endParaRPr lang="en-GB" sz="2800" b="1" dirty="0" smtClean="0">
+              <a:solidFill>
+                <a:schemeClr val="accent1">
+                  <a:lumMod val="50000"/>
+                </a:schemeClr>
+              </a:solidFill>
+            </a:endParaRPr>
+          </a:p>
+          <a:p>
+            <a:pPr marL="914400" lvl="1" indent="-457200">
+              <a:buFont typeface="Wingdings" panose="05000000000000000000" pitchFamily="2" charset="2"/>
+              <a:buChar char="§"/>
+            </a:pPr>
+            <a:r>
+              <a:rPr lang="en-GB" sz="2400" b="1" dirty="0">
+                <a:solidFill>
+                  <a:schemeClr val="accent1">
+                    <a:lumMod val="50000"/>
+                  </a:schemeClr>
+                </a:solidFill>
+              </a:rPr>
+              <a:t>Open software platform </a:t>
+            </a:r>
+            <a:r>
+              <a:rPr lang="en-GB" sz="2400" dirty="0">
+                <a:solidFill>
+                  <a:schemeClr val="accent1">
+                    <a:lumMod val="50000"/>
+                  </a:schemeClr>
+                </a:solidFill>
+              </a:rPr>
+              <a:t>based upon </a:t>
+            </a:r>
+            <a:r>
+              <a:rPr lang="en-GB" sz="2400" b="1" dirty="0" err="1">
+                <a:solidFill>
+                  <a:schemeClr val="accent1">
+                    <a:lumMod val="50000"/>
+                  </a:schemeClr>
+                </a:solidFill>
+              </a:rPr>
+              <a:t>Blockchain</a:t>
+            </a:r>
+            <a:r>
+              <a:rPr lang="en-GB" sz="2400" dirty="0">
+                <a:solidFill>
+                  <a:schemeClr val="accent1">
+                    <a:lumMod val="50000"/>
+                  </a:schemeClr>
+                </a:solidFill>
+              </a:rPr>
+              <a:t> </a:t>
+            </a:r>
+            <a:r>
+              <a:rPr lang="en-GB" sz="2400" dirty="0" smtClean="0">
+                <a:solidFill>
+                  <a:schemeClr val="accent1">
+                    <a:lumMod val="50000"/>
+                  </a:schemeClr>
+                </a:solidFill>
+              </a:rPr>
+              <a:t>technology for creating apps</a:t>
+            </a:r>
+            <a:endParaRPr lang="en-GB" sz="2400" b="1" dirty="0" smtClean="0">
+              <a:solidFill>
+                <a:schemeClr val="accent1">
+                  <a:lumMod val="50000"/>
+                </a:schemeClr>
+              </a:solidFill>
+            </a:endParaRPr>
           </a:p>
           <a:p>
             <a:pPr marL="457200" indent="-457200">
@@ -3502,8 +3699,61 @@
                   </a:schemeClr>
                 </a:solidFill>
               </a:rPr>
-              <a:t>Smart Contracts</a:t>
-            </a:r>
+              <a:t>Smart </a:t>
+            </a:r>
+            <a:r>
+              <a:rPr lang="en-GB" sz="2800" b="1" dirty="0" smtClean="0">
+                <a:solidFill>
+                  <a:schemeClr val="accent1">
+                    <a:lumMod val="50000"/>
+                  </a:schemeClr>
+                </a:solidFill>
+              </a:rPr>
+              <a:t>Contracts</a:t>
+            </a:r>
+          </a:p>
+          <a:p>
+            <a:pPr marL="914400" lvl="1" indent="-457200">
+              <a:buFont typeface="Wingdings" panose="05000000000000000000" pitchFamily="2" charset="2"/>
+              <a:buChar char="§"/>
+            </a:pPr>
+            <a:r>
+              <a:rPr lang="en-GB" sz="2400" b="1" dirty="0" smtClean="0">
+                <a:solidFill>
+                  <a:schemeClr val="accent1">
+                    <a:lumMod val="50000"/>
+                  </a:schemeClr>
+                </a:solidFill>
+              </a:rPr>
+              <a:t>Code</a:t>
+            </a:r>
+            <a:r>
+              <a:rPr lang="en-GB" sz="2400" dirty="0" smtClean="0">
+                <a:solidFill>
+                  <a:schemeClr val="accent1">
+                    <a:lumMod val="50000"/>
+                  </a:schemeClr>
+                </a:solidFill>
+              </a:rPr>
+              <a:t> with </a:t>
+            </a:r>
+            <a:r>
+              <a:rPr lang="en-GB" sz="2400" b="1" dirty="0">
+                <a:solidFill>
+                  <a:schemeClr val="accent1">
+                    <a:lumMod val="50000"/>
+                  </a:schemeClr>
+                </a:solidFill>
+              </a:rPr>
+              <a:t>rules</a:t>
+            </a:r>
+            <a:endParaRPr lang="en-GB" sz="2400" b="1" dirty="0" smtClean="0">
+              <a:solidFill>
+                <a:schemeClr val="accent1">
+                  <a:lumMod val="50000"/>
+                </a:schemeClr>
+              </a:solidFill>
+            </a:endParaRPr>
           </a:p>
           <a:p>
             <a:pPr marL="457200" indent="-457200">
@@ -3520,7 +3770,33 @@
               </a:rPr>
               <a:t>Solidity</a:t>
             </a:r>
-            <a:endParaRPr lang="en-GB" sz="2800" b="1" dirty="0">
+          </a:p>
+          <a:p>
+            <a:pPr marL="914400" lvl="1" indent="-457200">
+              <a:buFont typeface="Wingdings" panose="05000000000000000000" pitchFamily="2" charset="2"/>
+              <a:buChar char="§"/>
+            </a:pPr>
+            <a:r>
+              <a:rPr lang="en-GB" sz="2400" b="1" dirty="0" smtClean="0">
+                <a:solidFill>
+                  <a:schemeClr val="accent1">
+                    <a:lumMod val="50000"/>
+                  </a:schemeClr>
+                </a:solidFill>
+              </a:rPr>
+              <a:t>Programming language </a:t>
+            </a:r>
+            <a:r>
+              <a:rPr lang="en-GB" sz="2400" dirty="0" smtClean="0">
+                <a:solidFill>
+                  <a:schemeClr val="accent1">
+                    <a:lumMod val="50000"/>
+                  </a:schemeClr>
+                </a:solidFill>
+              </a:rPr>
+              <a:t>for writing smart contracts</a:t>
+            </a:r>
+            <a:endParaRPr lang="en-GB" sz="2400" dirty="0">
               <a:solidFill>
                 <a:schemeClr val="accent1">
                   <a:lumMod val="50000"/>
@@ -3543,7 +3819,399 @@
   <p:timing>
     <p:tnLst>
       <p:par>
-        <p:cTn id="1" dur="indefinite" restart="never" nodeType="tmRoot"/>
+        <p:cTn id="1" dur="indefinite" restart="never" nodeType="tmRoot">
+          <p:childTnLst>
+            <p:seq concurrent="1" nextAc="seek">
+              <p:cTn id="2" dur="indefinite" nodeType="mainSeq">
+                <p:childTnLst>
+                  <p:par>
+                    <p:cTn id="3" fill="hold">
+                      <p:stCondLst>
+                        <p:cond delay="indefinite"/>
+                        <p:cond evt="onBegin" delay="0">
+                          <p:tn val="2"/>
+                        </p:cond>
+                      </p:stCondLst>
+                      <p:childTnLst>
+                        <p:par>
+                          <p:cTn id="4" fill="hold">
+                            <p:stCondLst>
+                              <p:cond delay="0"/>
+                            </p:stCondLst>
+                            <p:childTnLst>
+                              <p:par>
+                                <p:cTn id="5" presetID="10" presetClass="entr" presetSubtype="0" fill="hold" nodeType="withEffect">
+                                  <p:stCondLst>
+                                    <p:cond delay="0"/>
+                                  </p:stCondLst>
+                                  <p:childTnLst>
+                                    <p:set>
+                                      <p:cBhvr>
+                                        <p:cTn id="6" dur="1" fill="hold">
+                                          <p:stCondLst>
+                                            <p:cond delay="0"/>
+                                          </p:stCondLst>
+                                        </p:cTn>
+                                        <p:tgtEl>
+                                          <p:spTgt spid="3">
+                                            <p:txEl>
+                                              <p:pRg st="0" end="0"/>
+                                            </p:txEl>
+                                          </p:spTgt>
+                                        </p:tgtEl>
+                                        <p:attrNameLst>
+                                          <p:attrName>style.visibility</p:attrName>
+                                        </p:attrNameLst>
+                                      </p:cBhvr>
+                                      <p:to>
+                                        <p:strVal val="visible"/>
+                                      </p:to>
+                                    </p:set>
+                                    <p:animEffect transition="in" filter="fade">
+                                      <p:cBhvr>
+                                        <p:cTn id="7" dur="500"/>
+                                        <p:tgtEl>
+                                          <p:spTgt spid="3">
+                                            <p:txEl>
+                                              <p:pRg st="0" end="0"/>
+                                            </p:txEl>
+                                          </p:spTgt>
+                                        </p:tgtEl>
+                                      </p:cBhvr>
+                                    </p:animEffect>
+                                  </p:childTnLst>
+                                </p:cTn>
+                              </p:par>
+                            </p:childTnLst>
+                          </p:cTn>
+                        </p:par>
+                      </p:childTnLst>
+                    </p:cTn>
+                  </p:par>
+                  <p:par>
+                    <p:cTn id="8" fill="hold">
+                      <p:stCondLst>
+                        <p:cond delay="indefinite"/>
+                      </p:stCondLst>
+                      <p:childTnLst>
+                        <p:par>
+                          <p:cTn id="9" fill="hold">
+                            <p:stCondLst>
+                              <p:cond delay="0"/>
+                            </p:stCondLst>
+                            <p:childTnLst>
+                              <p:par>
+                                <p:cTn id="10" presetID="10" presetClass="entr" presetSubtype="0" fill="hold" nodeType="clickEffect">
+                                  <p:stCondLst>
+                                    <p:cond delay="0"/>
+                                  </p:stCondLst>
+                                  <p:childTnLst>
+                                    <p:set>
+                                      <p:cBhvr>
+                                        <p:cTn id="11" dur="1" fill="hold">
+                                          <p:stCondLst>
+                                            <p:cond delay="0"/>
+                                          </p:stCondLst>
+                                        </p:cTn>
+                                        <p:tgtEl>
+                                          <p:spTgt spid="3">
+                                            <p:txEl>
+                                              <p:pRg st="1" end="1"/>
+                                            </p:txEl>
+                                          </p:spTgt>
+                                        </p:tgtEl>
+                                        <p:attrNameLst>
+                                          <p:attrName>style.visibility</p:attrName>
+                                        </p:attrNameLst>
+                                      </p:cBhvr>
+                                      <p:to>
+                                        <p:strVal val="visible"/>
+                                      </p:to>
+                                    </p:set>
+                                    <p:animEffect transition="in" filter="fade">
+                                      <p:cBhvr>
+                                        <p:cTn id="12" dur="500"/>
+                                        <p:tgtEl>
+                                          <p:spTgt spid="3">
+                                            <p:txEl>
+                                              <p:pRg st="1" end="1"/>
+                                            </p:txEl>
+                                          </p:spTgt>
+                                        </p:tgtEl>
+                                      </p:cBhvr>
+                                    </p:animEffect>
+                                  </p:childTnLst>
+                                </p:cTn>
+                              </p:par>
+                            </p:childTnLst>
+                          </p:cTn>
+                        </p:par>
+                      </p:childTnLst>
+                    </p:cTn>
+                  </p:par>
+                  <p:par>
+                    <p:cTn id="13" fill="hold">
+                      <p:stCondLst>
+                        <p:cond delay="indefinite"/>
+                      </p:stCondLst>
+                      <p:childTnLst>
+                        <p:par>
+                          <p:cTn id="14" fill="hold">
+                            <p:stCondLst>
+                              <p:cond delay="0"/>
+                            </p:stCondLst>
+                            <p:childTnLst>
+                              <p:par>
+                                <p:cTn id="15" presetID="10" presetClass="entr" presetSubtype="0" fill="hold" nodeType="clickEffect">
+                                  <p:stCondLst>
+                                    <p:cond delay="0"/>
+                                  </p:stCondLst>
+                                  <p:childTnLst>
+                                    <p:set>
+                                      <p:cBhvr>
+                                        <p:cTn id="16" dur="1" fill="hold">
+                                          <p:stCondLst>
+                                            <p:cond delay="0"/>
+                                          </p:stCondLst>
+                                        </p:cTn>
+                                        <p:tgtEl>
+                                          <p:spTgt spid="3">
+                                            <p:txEl>
+                                              <p:pRg st="2" end="2"/>
+                                            </p:txEl>
+                                          </p:spTgt>
+                                        </p:tgtEl>
+                                        <p:attrNameLst>
+                                          <p:attrName>style.visibility</p:attrName>
+                                        </p:attrNameLst>
+                                      </p:cBhvr>
+                                      <p:to>
+                                        <p:strVal val="visible"/>
+                                      </p:to>
+                                    </p:set>
+                                    <p:animEffect transition="in" filter="fade">
+                                      <p:cBhvr>
+                                        <p:cTn id="17" dur="500"/>
+                                        <p:tgtEl>
+                                          <p:spTgt spid="3">
+                                            <p:txEl>
+                                              <p:pRg st="2" end="2"/>
+                                            </p:txEl>
+                                          </p:spTgt>
+                                        </p:tgtEl>
+                                      </p:cBhvr>
+                                    </p:animEffect>
+                                  </p:childTnLst>
+                                </p:cTn>
+                              </p:par>
+                            </p:childTnLst>
+                          </p:cTn>
+                        </p:par>
+                      </p:childTnLst>
+                    </p:cTn>
+                  </p:par>
+                  <p:par>
+                    <p:cTn id="18" fill="hold">
+                      <p:stCondLst>
+                        <p:cond delay="indefinite"/>
+                      </p:stCondLst>
+                      <p:childTnLst>
+                        <p:par>
+                          <p:cTn id="19" fill="hold">
+                            <p:stCondLst>
+                              <p:cond delay="0"/>
+                            </p:stCondLst>
+                            <p:childTnLst>
+                              <p:par>
+                                <p:cTn id="20" presetID="10" presetClass="entr" presetSubtype="0" fill="hold" nodeType="clickEffect">
+                                  <p:stCondLst>
+                                    <p:cond delay="0"/>
+                                  </p:stCondLst>
+                                  <p:childTnLst>
+                                    <p:set>
+                                      <p:cBhvr>
+                                        <p:cTn id="21" dur="1" fill="hold">
+                                          <p:stCondLst>
+                                            <p:cond delay="0"/>
+                                          </p:stCondLst>
+                                        </p:cTn>
+                                        <p:tgtEl>
+                                          <p:spTgt spid="3">
+                                            <p:txEl>
+                                              <p:pRg st="3" end="3"/>
+                                            </p:txEl>
+                                          </p:spTgt>
+                                        </p:tgtEl>
+                                        <p:attrNameLst>
+                                          <p:attrName>style.visibility</p:attrName>
+                                        </p:attrNameLst>
+                                      </p:cBhvr>
+                                      <p:to>
+                                        <p:strVal val="visible"/>
+                                      </p:to>
+                                    </p:set>
+                                    <p:animEffect transition="in" filter="fade">
+                                      <p:cBhvr>
+                                        <p:cTn id="22" dur="500"/>
+                                        <p:tgtEl>
+                                          <p:spTgt spid="3">
+                                            <p:txEl>
+                                              <p:pRg st="3" end="3"/>
+                                            </p:txEl>
+                                          </p:spTgt>
+                                        </p:tgtEl>
+                                      </p:cBhvr>
+                                    </p:animEffect>
+                                  </p:childTnLst>
+                                </p:cTn>
+                              </p:par>
+                            </p:childTnLst>
+                          </p:cTn>
+                        </p:par>
+                      </p:childTnLst>
+                    </p:cTn>
+                  </p:par>
+                  <p:par>
+                    <p:cTn id="23" fill="hold">
+                      <p:stCondLst>
+                        <p:cond delay="indefinite"/>
+                      </p:stCondLst>
+                      <p:childTnLst>
+                        <p:par>
+                          <p:cTn id="24" fill="hold">
+                            <p:stCondLst>
+                              <p:cond delay="0"/>
+                            </p:stCondLst>
+                            <p:childTnLst>
+                              <p:par>
+                                <p:cTn id="25" presetID="10" presetClass="entr" presetSubtype="0" fill="hold" nodeType="clickEffect">
+                                  <p:stCondLst>
+                                    <p:cond delay="0"/>
+                                  </p:stCondLst>
+                                  <p:childTnLst>
+                                    <p:set>
+                                      <p:cBhvr>
+                                        <p:cTn id="26" dur="1" fill="hold">
+                                          <p:stCondLst>
+                                            <p:cond delay="0"/>
+                                          </p:stCondLst>
+                                        </p:cTn>
+                                        <p:tgtEl>
+                                          <p:spTgt spid="3">
+                                            <p:txEl>
+                                              <p:pRg st="4" end="4"/>
+                                            </p:txEl>
+                                          </p:spTgt>
+                                        </p:tgtEl>
+                                        <p:attrNameLst>
+                                          <p:attrName>style.visibility</p:attrName>
+                                        </p:attrNameLst>
+                                      </p:cBhvr>
+                                      <p:to>
+                                        <p:strVal val="visible"/>
+                                      </p:to>
+                                    </p:set>
+                                    <p:animEffect transition="in" filter="fade">
+                                      <p:cBhvr>
+                                        <p:cTn id="27" dur="500"/>
+                                        <p:tgtEl>
+                                          <p:spTgt spid="3">
+                                            <p:txEl>
+                                              <p:pRg st="4" end="4"/>
+                                            </p:txEl>
+                                          </p:spTgt>
+                                        </p:tgtEl>
+                                      </p:cBhvr>
+                                    </p:animEffect>
+                                  </p:childTnLst>
+                                </p:cTn>
+                              </p:par>
+                            </p:childTnLst>
+                          </p:cTn>
+                        </p:par>
+                      </p:childTnLst>
+                    </p:cTn>
+                  </p:par>
+                  <p:par>
+                    <p:cTn id="28" fill="hold">
+                      <p:stCondLst>
+                        <p:cond delay="indefinite"/>
+                      </p:stCondLst>
+                      <p:childTnLst>
+                        <p:par>
+                          <p:cTn id="29" fill="hold">
+                            <p:stCondLst>
+                              <p:cond delay="0"/>
+                            </p:stCondLst>
+                            <p:childTnLst>
+                              <p:par>
+                                <p:cTn id="30" presetID="10" presetClass="entr" presetSubtype="0" fill="hold" nodeType="clickEffect">
+                                  <p:stCondLst>
+                                    <p:cond delay="0"/>
+                                  </p:stCondLst>
+                                  <p:childTnLst>
+                                    <p:set>
+                                      <p:cBhvr>
+                                        <p:cTn id="31" dur="1" fill="hold">
+                                          <p:stCondLst>
+                                            <p:cond delay="0"/>
+                                          </p:stCondLst>
+                                        </p:cTn>
+                                        <p:tgtEl>
+                                          <p:spTgt spid="3">
+                                            <p:txEl>
+                                              <p:pRg st="5" end="5"/>
+                                            </p:txEl>
+                                          </p:spTgt>
+                                        </p:tgtEl>
+                                        <p:attrNameLst>
+                                          <p:attrName>style.visibility</p:attrName>
+                                        </p:attrNameLst>
+                                      </p:cBhvr>
+                                      <p:to>
+                                        <p:strVal val="visible"/>
+                                      </p:to>
+                                    </p:set>
+                                    <p:animEffect transition="in" filter="fade">
+                                      <p:cBhvr>
+                                        <p:cTn id="32" dur="500"/>
+                                        <p:tgtEl>
+                                          <p:spTgt spid="3">
+                                            <p:txEl>
+                                              <p:pRg st="5" end="5"/>
+                                            </p:txEl>
+                                          </p:spTgt>
+                                        </p:tgtEl>
+                                      </p:cBhvr>
+                                    </p:animEffect>
+                                  </p:childTnLst>
+                                </p:cTn>
+                              </p:par>
+                            </p:childTnLst>
+                          </p:cTn>
+                        </p:par>
+                      </p:childTnLst>
+                    </p:cTn>
+                  </p:par>
+                </p:childTnLst>
+              </p:cTn>
+              <p:prevCondLst>
+                <p:cond evt="onPrev" delay="0">
+                  <p:tgtEl>
+                    <p:sldTgt/>
+                  </p:tgtEl>
+                </p:cond>
+              </p:prevCondLst>
+              <p:nextCondLst>
+                <p:cond evt="onNext" delay="0">
+                  <p:tgtEl>
+                    <p:sldTgt/>
+                  </p:tgtEl>
+                </p:cond>
+              </p:nextCondLst>
+            </p:seq>
+          </p:childTnLst>
+        </p:cTn>
       </p:par>
     </p:tnLst>
   </p:timing>
@@ -3702,7 +4370,155 @@
   <p:timing>
     <p:tnLst>
       <p:par>
-        <p:cTn id="1" dur="indefinite" restart="never" nodeType="tmRoot"/>
+        <p:cTn id="1" dur="indefinite" restart="never" nodeType="tmRoot">
+          <p:childTnLst>
+            <p:seq concurrent="1" nextAc="seek">
+              <p:cTn id="2" dur="indefinite" nodeType="mainSeq">
+                <p:childTnLst>
+                  <p:par>
+                    <p:cTn id="3" fill="hold">
+                      <p:stCondLst>
+                        <p:cond delay="indefinite"/>
+                        <p:cond evt="onBegin" delay="0">
+                          <p:tn val="2"/>
+                        </p:cond>
+                      </p:stCondLst>
+                      <p:childTnLst>
+                        <p:par>
+                          <p:cTn id="4" fill="hold">
+                            <p:stCondLst>
+                              <p:cond delay="0"/>
+                            </p:stCondLst>
+                            <p:childTnLst>
+                              <p:par>
+                                <p:cTn id="5" presetID="10" presetClass="entr" presetSubtype="0" fill="hold" nodeType="withEffect">
+                                  <p:stCondLst>
+                                    <p:cond delay="0"/>
+                                  </p:stCondLst>
+                                  <p:childTnLst>
+                                    <p:set>
+                                      <p:cBhvr>
+                                        <p:cTn id="6" dur="1" fill="hold">
+                                          <p:stCondLst>
+                                            <p:cond delay="0"/>
+                                          </p:stCondLst>
+                                        </p:cTn>
+                                        <p:tgtEl>
+                                          <p:spTgt spid="3">
+                                            <p:txEl>
+                                              <p:pRg st="0" end="0"/>
+                                            </p:txEl>
+                                          </p:spTgt>
+                                        </p:tgtEl>
+                                        <p:attrNameLst>
+                                          <p:attrName>style.visibility</p:attrName>
+                                        </p:attrNameLst>
+                                      </p:cBhvr>
+                                      <p:to>
+                                        <p:strVal val="visible"/>
+                                      </p:to>
+                                    </p:set>
+                                    <p:animEffect transition="in" filter="fade">
+                                      <p:cBhvr>
+                                        <p:cTn id="7" dur="500"/>
+                                        <p:tgtEl>
+                                          <p:spTgt spid="3">
+                                            <p:txEl>
+                                              <p:pRg st="0" end="0"/>
+                                            </p:txEl>
+                                          </p:spTgt>
+                                        </p:tgtEl>
+                                      </p:cBhvr>
+                                    </p:animEffect>
+                                  </p:childTnLst>
+                                </p:cTn>
+                              </p:par>
+                            </p:childTnLst>
+                          </p:cTn>
+                        </p:par>
+                      </p:childTnLst>
+                    </p:cTn>
+                  </p:par>
+                  <p:par>
+                    <p:cTn id="8" fill="hold">
+                      <p:stCondLst>
+                        <p:cond delay="indefinite"/>
+                      </p:stCondLst>
+                      <p:childTnLst>
+                        <p:par>
+                          <p:cTn id="9" fill="hold">
+                            <p:stCondLst>
+                              <p:cond delay="0"/>
+                            </p:stCondLst>
+                            <p:childTnLst>
+                              <p:par>
+                                <p:cTn id="10" presetID="10" presetClass="entr" presetSubtype="0" fill="hold" nodeType="clickEffect">
+                                  <p:stCondLst>
+                                    <p:cond delay="0"/>
+                                  </p:stCondLst>
+                                  <p:childTnLst>
+                                    <p:set>
+                                      <p:cBhvr>
+                                        <p:cTn id="11" dur="1" fill="hold">
+                                          <p:stCondLst>
+                                            <p:cond delay="0"/>
+                                          </p:stCondLst>
+                                        </p:cTn>
+                                        <p:tgtEl>
+                                          <p:spTgt spid="3">
+                                            <p:txEl>
+                                              <p:pRg st="1" end="1"/>
+                                            </p:txEl>
+                                          </p:spTgt>
+                                        </p:tgtEl>
+                                        <p:attrNameLst>
+                                          <p:attrName>style.visibility</p:attrName>
+                                        </p:attrNameLst>
+                                      </p:cBhvr>
+                                      <p:to>
+                                        <p:strVal val="visible"/>
+                                      </p:to>
+                                    </p:set>
+                                    <p:animEffect transition="in" filter="fade">
+                                      <p:cBhvr>
+                                        <p:cTn id="12" dur="500"/>
+                                        <p:tgtEl>
+                                          <p:spTgt spid="3">
+                                            <p:txEl>
+                                              <p:pRg st="1" end="1"/>
+                                            </p:txEl>
+                                          </p:spTgt>
+                                        </p:tgtEl>
+                                      </p:cBhvr>
+                                    </p:animEffect>
+                                  </p:childTnLst>
+                                </p:cTn>
+                              </p:par>
+                            </p:childTnLst>
+                          </p:cTn>
+                        </p:par>
+                      </p:childTnLst>
+                    </p:cTn>
+                  </p:par>
+                </p:childTnLst>
+              </p:cTn>
+              <p:prevCondLst>
+                <p:cond evt="onPrev" delay="0">
+                  <p:tgtEl>
+                    <p:sldTgt/>
+                  </p:tgtEl>
+                </p:cond>
+              </p:prevCondLst>
+              <p:nextCondLst>
+                <p:cond evt="onNext" delay="0">
+                  <p:tgtEl>
+                    <p:sldTgt/>
+                  </p:tgtEl>
+                </p:cond>
+              </p:nextCondLst>
+            </p:seq>
+          </p:childTnLst>
+        </p:cTn>
       </p:par>
     </p:tnLst>
   </p:timing>
@@ -4155,6 +4971,283 @@
   <p:clrMapOvr>
     <a:masterClrMapping/>
   </p:clrMapOvr>
+  <p:timing>
+    <p:tnLst>
+      <p:par>
+        <p:cTn id="1" dur="indefinite" restart="never" nodeType="tmRoot">
+          <p:childTnLst>
+            <p:seq concurrent="1" nextAc="seek">
+              <p:cTn id="2" dur="indefinite" nodeType="mainSeq">
+                <p:childTnLst>
+                  <p:par>
+                    <p:cTn id="3" fill="hold">
+                      <p:stCondLst>
+                        <p:cond delay="indefinite"/>
+                        <p:cond evt="onBegin" delay="0">
+                          <p:tn val="2"/>
+                        </p:cond>
+                      </p:stCondLst>
+                      <p:childTnLst>
+                        <p:par>
+                          <p:cTn id="4" fill="hold">
+                            <p:stCondLst>
+                              <p:cond delay="0"/>
+                            </p:stCondLst>
+                            <p:childTnLst>
+                              <p:par>
+                                <p:cTn id="5" presetID="10" presetClass="entr" presetSubtype="0" fill="hold" nodeType="withEffect">
+                                  <p:stCondLst>
+                                    <p:cond delay="0"/>
+                                  </p:stCondLst>
+                                  <p:childTnLst>
+                                    <p:set>
+                                      <p:cBhvr>
+                                        <p:cTn id="6" dur="1" fill="hold">
+                                          <p:stCondLst>
+                                            <p:cond delay="0"/>
+                                          </p:stCondLst>
+                                        </p:cTn>
+                                        <p:tgtEl>
+                                          <p:spTgt spid="3">
+                                            <p:txEl>
+                                              <p:pRg st="0" end="0"/>
+                                            </p:txEl>
+                                          </p:spTgt>
+                                        </p:tgtEl>
+                                        <p:attrNameLst>
+                                          <p:attrName>style.visibility</p:attrName>
+                                        </p:attrNameLst>
+                                      </p:cBhvr>
+                                      <p:to>
+                                        <p:strVal val="visible"/>
+                                      </p:to>
+                                    </p:set>
+                                    <p:animEffect transition="in" filter="fade">
+                                      <p:cBhvr>
+                                        <p:cTn id="7" dur="500"/>
+                                        <p:tgtEl>
+                                          <p:spTgt spid="3">
+                                            <p:txEl>
+                                              <p:pRg st="0" end="0"/>
+                                            </p:txEl>
+                                          </p:spTgt>
+                                        </p:tgtEl>
+                                      </p:cBhvr>
+                                    </p:animEffect>
+                                  </p:childTnLst>
+                                </p:cTn>
+                              </p:par>
+                            </p:childTnLst>
+                          </p:cTn>
+                        </p:par>
+                      </p:childTnLst>
+                    </p:cTn>
+                  </p:par>
+                  <p:par>
+                    <p:cTn id="8" fill="hold">
+                      <p:stCondLst>
+                        <p:cond delay="indefinite"/>
+                      </p:stCondLst>
+                      <p:childTnLst>
+                        <p:par>
+                          <p:cTn id="9" fill="hold">
+                            <p:stCondLst>
+                              <p:cond delay="0"/>
+                            </p:stCondLst>
+                            <p:childTnLst>
+                              <p:par>
+                                <p:cTn id="10" presetID="10" presetClass="entr" presetSubtype="0" fill="hold" nodeType="clickEffect">
+                                  <p:stCondLst>
+                                    <p:cond delay="0"/>
+                                  </p:stCondLst>
+                                  <p:childTnLst>
+                                    <p:set>
+                                      <p:cBhvr>
+                                        <p:cTn id="11" dur="1" fill="hold">
+                                          <p:stCondLst>
+                                            <p:cond delay="0"/>
+                                          </p:stCondLst>
+                                        </p:cTn>
+                                        <p:tgtEl>
+                                          <p:spTgt spid="3">
+                                            <p:txEl>
+                                              <p:pRg st="1" end="1"/>
+                                            </p:txEl>
+                                          </p:spTgt>
+                                        </p:tgtEl>
+                                        <p:attrNameLst>
+                                          <p:attrName>style.visibility</p:attrName>
+                                        </p:attrNameLst>
+                                      </p:cBhvr>
+                                      <p:to>
+                                        <p:strVal val="visible"/>
+                                      </p:to>
+                                    </p:set>
+                                    <p:animEffect transition="in" filter="fade">
+                                      <p:cBhvr>
+                                        <p:cTn id="12" dur="500"/>
+                                        <p:tgtEl>
+                                          <p:spTgt spid="3">
+                                            <p:txEl>
+                                              <p:pRg st="1" end="1"/>
+                                            </p:txEl>
+                                          </p:spTgt>
+                                        </p:tgtEl>
+                                      </p:cBhvr>
+                                    </p:animEffect>
+                                  </p:childTnLst>
+                                </p:cTn>
+                              </p:par>
+                            </p:childTnLst>
+                          </p:cTn>
+                        </p:par>
+                      </p:childTnLst>
+                    </p:cTn>
+                  </p:par>
+                  <p:par>
+                    <p:cTn id="13" fill="hold">
+                      <p:stCondLst>
+                        <p:cond delay="indefinite"/>
+                      </p:stCondLst>
+                      <p:childTnLst>
+                        <p:par>
+                          <p:cTn id="14" fill="hold">
+                            <p:stCondLst>
+                              <p:cond delay="0"/>
+                            </p:stCondLst>
+                            <p:childTnLst>
+                              <p:par>
+                                <p:cTn id="15" presetID="10" presetClass="entr" presetSubtype="0" fill="hold" nodeType="clickEffect">
+                                  <p:stCondLst>
+                                    <p:cond delay="0"/>
+                                  </p:stCondLst>
+                                  <p:childTnLst>
+                                    <p:set>
+                                      <p:cBhvr>
+                                        <p:cTn id="16" dur="1" fill="hold">
+                                          <p:stCondLst>
+                                            <p:cond delay="0"/>
+                                          </p:stCondLst>
+                                        </p:cTn>
+                                        <p:tgtEl>
+                                          <p:spTgt spid="3">
+                                            <p:txEl>
+                                              <p:pRg st="2" end="2"/>
+                                            </p:txEl>
+                                          </p:spTgt>
+                                        </p:tgtEl>
+                                        <p:attrNameLst>
+                                          <p:attrName>style.visibility</p:attrName>
+                                        </p:attrNameLst>
+                                      </p:cBhvr>
+                                      <p:to>
+                                        <p:strVal val="visible"/>
+                                      </p:to>
+                                    </p:set>
+                                    <p:animEffect transition="in" filter="fade">
+                                      <p:cBhvr>
+                                        <p:cTn id="17" dur="500"/>
+                                        <p:tgtEl>
+                                          <p:spTgt spid="3">
+                                            <p:txEl>
+                                              <p:pRg st="2" end="2"/>
+                                            </p:txEl>
+                                          </p:spTgt>
+                                        </p:tgtEl>
+                                      </p:cBhvr>
+                                    </p:animEffect>
+                                  </p:childTnLst>
+                                </p:cTn>
+                              </p:par>
+                            </p:childTnLst>
+                          </p:cTn>
+                        </p:par>
+                      </p:childTnLst>
+                    </p:cTn>
+                  </p:par>
+                  <p:par>
+                    <p:cTn id="18" fill="hold">
+                      <p:stCondLst>
+                        <p:cond delay="indefinite"/>
+                      </p:stCondLst>
+                      <p:childTnLst>
+                        <p:par>
+                          <p:cTn id="19" fill="hold">
+                            <p:stCondLst>
+                              <p:cond delay="0"/>
+                            </p:stCondLst>
+                            <p:childTnLst>
+                              <p:par>
+                                <p:cTn id="20" presetID="10" presetClass="entr" presetSubtype="0" fill="hold" nodeType="clickEffect">
+                                  <p:stCondLst>
+                                    <p:cond delay="0"/>
+                                  </p:stCondLst>
+                                  <p:childTnLst>
+                                    <p:set>
+                                      <p:cBhvr>
+                                        <p:cTn id="21" dur="1" fill="hold">
+                                          <p:stCondLst>
+                                            <p:cond delay="0"/>
+                                          </p:stCondLst>
+                                        </p:cTn>
+                                        <p:tgtEl>
+                                          <p:spTgt spid="3">
+                                            <p:txEl>
+                                              <p:pRg st="3" end="3"/>
+                                            </p:txEl>
+                                          </p:spTgt>
+                                        </p:tgtEl>
+                                        <p:attrNameLst>
+                                          <p:attrName>style.visibility</p:attrName>
+                                        </p:attrNameLst>
+                                      </p:cBhvr>
+                                      <p:to>
+                                        <p:strVal val="visible"/>
+                                      </p:to>
+                                    </p:set>
+                                    <p:animEffect transition="in" filter="fade">
+                                      <p:cBhvr>
+                                        <p:cTn id="22" dur="500"/>
+                                        <p:tgtEl>
+                                          <p:spTgt spid="3">
+                                            <p:txEl>
+                                              <p:pRg st="3" end="3"/>
+                                            </p:txEl>
+                                          </p:spTgt>
+                                        </p:tgtEl>
+                                      </p:cBhvr>
+                                    </p:animEffect>
+                                  </p:childTnLst>
+                                </p:cTn>
+                              </p:par>
+                            </p:childTnLst>
+                          </p:cTn>
+                        </p:par>
+                      </p:childTnLst>
+                    </p:cTn>
+                  </p:par>
+                </p:childTnLst>
+              </p:cTn>
+              <p:prevCondLst>
+                <p:cond evt="onPrev" delay="0">
+                  <p:tgtEl>
+                    <p:sldTgt/>
+                  </p:tgtEl>
+                </p:cond>
+              </p:prevCondLst>
+              <p:nextCondLst>
+                <p:cond evt="onNext" delay="0">
+                  <p:tgtEl>
+                    <p:sldTgt/>
+                  </p:tgtEl>
+                </p:cond>
+              </p:nextCondLst>
+            </p:seq>
+          </p:childTnLst>
+        </p:cTn>
+      </p:par>
+    </p:tnLst>
+  </p:timing>
 </p:sld>
 </file>
 
@@ -4471,6 +5564,161 @@
   <p:clrMapOvr>
     <a:masterClrMapping/>
   </p:clrMapOvr>
+  <p:timing>
+    <p:tnLst>
+      <p:par>
+        <p:cTn id="1" dur="indefinite" restart="never" nodeType="tmRoot">
+          <p:childTnLst>
+            <p:seq concurrent="1" nextAc="seek">
+              <p:cTn id="2" dur="indefinite" nodeType="mainSeq">
+                <p:childTnLst>
+                  <p:par>
+                    <p:cTn id="3" fill="hold">
+                      <p:stCondLst>
+                        <p:cond delay="indefinite"/>
+                        <p:cond evt="onBegin" delay="0">
+                          <p:tn val="2"/>
+                        </p:cond>
+                      </p:stCondLst>
+                      <p:childTnLst>
+                        <p:par>
+                          <p:cTn id="4" fill="hold">
+                            <p:stCondLst>
+                              <p:cond delay="0"/>
+                            </p:stCondLst>
+                            <p:childTnLst>
+                              <p:par>
+                                <p:cTn id="5" presetID="10" presetClass="entr" presetSubtype="0" fill="hold" nodeType="withEffect">
+                                  <p:stCondLst>
+                                    <p:cond delay="0"/>
+                                  </p:stCondLst>
+                                  <p:childTnLst>
+                                    <p:set>
+                                      <p:cBhvr>
+                                        <p:cTn id="6" dur="1" fill="hold">
+                                          <p:stCondLst>
+                                            <p:cond delay="0"/>
+                                          </p:stCondLst>
+                                        </p:cTn>
+                                        <p:tgtEl>
+                                          <p:spTgt spid="3">
+                                            <p:txEl>
+                                              <p:pRg st="0" end="0"/>
+                                            </p:txEl>
+                                          </p:spTgt>
+                                        </p:tgtEl>
+                                        <p:attrNameLst>
+                                          <p:attrName>style.visibility</p:attrName>
+                                        </p:attrNameLst>
+                                      </p:cBhvr>
+                                      <p:to>
+                                        <p:strVal val="visible"/>
+                                      </p:to>
+                                    </p:set>
+                                    <p:animEffect transition="in" filter="fade">
+                                      <p:cBhvr>
+                                        <p:cTn id="7" dur="500"/>
+                                        <p:tgtEl>
+                                          <p:spTgt spid="3">
+                                            <p:txEl>
+                                              <p:pRg st="0" end="0"/>
+                                            </p:txEl>
+                                          </p:spTgt>
+                                        </p:tgtEl>
+                                      </p:cBhvr>
+                                    </p:animEffect>
+                                  </p:childTnLst>
+                                </p:cTn>
+                              </p:par>
+                            </p:childTnLst>
+                          </p:cTn>
+                        </p:par>
+                      </p:childTnLst>
+                    </p:cTn>
+                  </p:par>
+                  <p:par>
+                    <p:cTn id="8" fill="hold">
+                      <p:stCondLst>
+                        <p:cond delay="indefinite"/>
+                      </p:stCondLst>
+                      <p:childTnLst>
+                        <p:par>
+                          <p:cTn id="9" fill="hold">
+                            <p:stCondLst>
+                              <p:cond delay="0"/>
+                            </p:stCondLst>
+                            <p:childTnLst>
+                              <p:par>
+                                <p:cTn id="10" presetID="10" presetClass="entr" presetSubtype="0" fill="hold" nodeType="clickEffect">
+                                  <p:stCondLst>
+                                    <p:cond delay="0"/>
+                                  </p:stCondLst>
+                                  <p:childTnLst>
+                                    <p:set>
+                                      <p:cBhvr>
+                                        <p:cTn id="11" dur="1" fill="hold">
+                                          <p:stCondLst>
+                                            <p:cond delay="0"/>
+                                          </p:stCondLst>
+                                        </p:cTn>
+                                        <p:tgtEl>
+                                          <p:spTgt spid="3">
+                                            <p:txEl>
+                                              <p:pRg st="1" end="1"/>
+                                            </p:txEl>
+                                          </p:spTgt>
+                                        </p:tgtEl>
+                                        <p:attrNameLst>
+                                          <p:attrName>style.visibility</p:attrName>
+                                        </p:attrNameLst>
+                                      </p:cBhvr>
+                                      <p:to>
+                                        <p:strVal val="visible"/>
+                                      </p:to>
+                                    </p:set>
+                                    <p:animEffect transition="in" filter="fade">
+                                      <p:cBhvr>
+                                        <p:cTn id="12" dur="500"/>
+                                        <p:tgtEl>
+                                          <p:spTgt spid="3">
+                                            <p:txEl>
+                                              <p:pRg st="1" end="1"/>
+                                            </p:txEl>
+                                          </p:spTgt>
+                                        </p:tgtEl>
+                                      </p:cBhvr>
+                                    </p:animEffect>
+                                  </p:childTnLst>
+                                </p:cTn>
+                              </p:par>
+                            </p:childTnLst>
+                          </p:cTn>
+                        </p:par>
+                      </p:childTnLst>
+                    </p:cTn>
+                  </p:par>
+                </p:childTnLst>
+              </p:cTn>
+              <p:prevCondLst>
+                <p:cond evt="onPrev" delay="0">
+                  <p:tgtEl>
+                    <p:sldTgt/>
+                  </p:tgtEl>
+                </p:cond>
+              </p:prevCondLst>
+              <p:nextCondLst>
+                <p:cond evt="onNext" delay="0">
+                  <p:tgtEl>
+                    <p:sldTgt/>
+                  </p:tgtEl>
+                </p:cond>
+              </p:nextCondLst>
+            </p:seq>
+          </p:childTnLst>
+        </p:cTn>
+      </p:par>
+    </p:tnLst>
+  </p:timing>
 </p:sld>
 </file>
 
@@ -4530,6 +5778,13 @@
   <p:clrMapOvr>
     <a:masterClrMapping/>
   </p:clrMapOvr>
+  <p:timing>
+    <p:tnLst>
+      <p:par>
+        <p:cTn id="1" dur="indefinite" restart="never" nodeType="tmRoot"/>
+      </p:par>
+    </p:tnLst>
+  </p:timing>
 </p:sld>
 </file>
 
@@ -4740,6 +5995,100 @@
   <p:clrMapOvr>
     <a:masterClrMapping/>
   </p:clrMapOvr>
+  <p:timing>
+    <p:tnLst>
+      <p:par>
+        <p:cTn id="1" dur="indefinite" restart="never" nodeType="tmRoot">
+          <p:childTnLst>
+            <p:seq concurrent="1" nextAc="seek">
+              <p:cTn id="2" dur="indefinite" nodeType="mainSeq">
+                <p:childTnLst>
+                  <p:par>
+                    <p:cTn id="3" fill="hold">
+                      <p:stCondLst>
+                        <p:cond delay="indefinite"/>
+                        <p:cond evt="onBegin" delay="0">
+                          <p:tn val="2"/>
+                        </p:cond>
+                      </p:stCondLst>
+                      <p:childTnLst>
+                        <p:par>
+                          <p:cTn id="4" fill="hold">
+                            <p:stCondLst>
+                              <p:cond delay="0"/>
+                            </p:stCondLst>
+                            <p:childTnLst>
+                              <p:par>
+                                <p:cTn id="5" presetID="10" presetClass="entr" presetSubtype="0" fill="hold" nodeType="withEffect">
+                                  <p:stCondLst>
+                                    <p:cond delay="0"/>
+                                  </p:stCondLst>
+                                  <p:childTnLst>
+                                    <p:set>
+                                      <p:cBhvr>
+                                        <p:cTn id="6" dur="1" fill="hold">
+                                          <p:stCondLst>
+                                            <p:cond delay="0"/>
+                                          </p:stCondLst>
+                                        </p:cTn>
+                                        <p:tgtEl>
+                                          <p:spTgt spid="3">
+                                            <p:txEl>
+                                              <p:pRg st="0" end="0"/>
+                                            </p:txEl>
+                                          </p:spTgt>
+                                        </p:tgtEl>
+                                        <p:attrNameLst>
+                                          <p:attrName>style.visibility</p:attrName>
+                                        </p:attrNameLst>
+                                      </p:cBhvr>
+                                      <p:to>
+                                        <p:strVal val="visible"/>
+                                      </p:to>
+                                    </p:set>
+                                    <p:animEffect transition="in" filter="fade">
+                                      <p:cBhvr>
+                                        <p:cTn id="7" dur="500"/>
+                                        <p:tgtEl>
+                                          <p:spTgt spid="3">
+                                            <p:txEl>
+                                              <p:pRg st="0" end="0"/>
+                                            </p:txEl>
+                                          </p:spTgt>
+                                        </p:tgtEl>
+                                      </p:cBhvr>
+                                    </p:animEffect>
+                                  </p:childTnLst>
+                                </p:cTn>
+                              </p:par>
+                            </p:childTnLst>
+                          </p:cTn>
+                        </p:par>
+                      </p:childTnLst>
+                    </p:cTn>
+                  </p:par>
+                </p:childTnLst>
+              </p:cTn>
+              <p:prevCondLst>
+                <p:cond evt="onPrev" delay="0">
+                  <p:tgtEl>
+                    <p:sldTgt/>
+                  </p:tgtEl>
+                </p:cond>
+              </p:prevCondLst>
+              <p:nextCondLst>
+                <p:cond evt="onNext" delay="0">
+                  <p:tgtEl>
+                    <p:sldTgt/>
+                  </p:tgtEl>
+                </p:cond>
+              </p:nextCondLst>
+            </p:seq>
+          </p:childTnLst>
+        </p:cTn>
+      </p:par>
+    </p:tnLst>
+  </p:timing>
 </p:sld>
 </file>
 

--- a/03.Ethereum, Smart Contracts/03.Blockchain-Ethereum, Smart Contracts Introduction-Presentation.pptx
+++ b/03.Ethereum, Smart Contracts/03.Blockchain-Ethereum, Smart Contracts Introduction-Presentation.pptx
@@ -11,12 +11,11 @@
     <p:sldId id="276" r:id="rId5"/>
     <p:sldId id="263" r:id="rId6"/>
     <p:sldId id="277" r:id="rId7"/>
-    <p:sldId id="281" r:id="rId8"/>
-    <p:sldId id="279" r:id="rId9"/>
-    <p:sldId id="278" r:id="rId10"/>
-    <p:sldId id="280" r:id="rId11"/>
-    <p:sldId id="274" r:id="rId12"/>
-    <p:sldId id="275" r:id="rId13"/>
+    <p:sldId id="279" r:id="rId8"/>
+    <p:sldId id="278" r:id="rId9"/>
+    <p:sldId id="280" r:id="rId10"/>
+    <p:sldId id="274" r:id="rId11"/>
+    <p:sldId id="275" r:id="rId12"/>
   </p:sldIdLst>
   <p:sldSz cx="12192000" cy="6858000"/>
   <p:notesSz cx="6858000" cy="9144000"/>
@@ -134,7 +133,6 @@
           <p14:sldIdLst>
             <p14:sldId id="263"/>
             <p14:sldId id="277"/>
-            <p14:sldId id="281"/>
           </p14:sldIdLst>
         </p14:section>
         <p14:section name="Solidity" id="{D3F3A8ED-A245-44AA-9890-3C5D25AE643D}">
@@ -290,7 +288,7 @@
           <a:p>
             <a:fld id="{63A1C593-65D0-4073-BCC9-577B9352EA97}" type="datetimeFigureOut">
               <a:rPr lang="en-US" smtClean="0"/>
-              <a:t>7/20/2019</a:t>
+              <a:t>7/21/2019</a:t>
             </a:fld>
             <a:endParaRPr lang="en-US"/>
           </a:p>
@@ -460,7 +458,7 @@
           <a:p>
             <a:fld id="{63A1C593-65D0-4073-BCC9-577B9352EA97}" type="datetimeFigureOut">
               <a:rPr lang="en-US" smtClean="0"/>
-              <a:t>7/20/2019</a:t>
+              <a:t>7/21/2019</a:t>
             </a:fld>
             <a:endParaRPr lang="en-US"/>
           </a:p>
@@ -640,7 +638,7 @@
           <a:p>
             <a:fld id="{63A1C593-65D0-4073-BCC9-577B9352EA97}" type="datetimeFigureOut">
               <a:rPr lang="en-US" smtClean="0"/>
-              <a:t>7/20/2019</a:t>
+              <a:t>7/21/2019</a:t>
             </a:fld>
             <a:endParaRPr lang="en-US"/>
           </a:p>
@@ -810,7 +808,7 @@
           <a:p>
             <a:fld id="{63A1C593-65D0-4073-BCC9-577B9352EA97}" type="datetimeFigureOut">
               <a:rPr lang="en-US" smtClean="0"/>
-              <a:t>7/20/2019</a:t>
+              <a:t>7/21/2019</a:t>
             </a:fld>
             <a:endParaRPr lang="en-US"/>
           </a:p>
@@ -1056,7 +1054,7 @@
           <a:p>
             <a:fld id="{63A1C593-65D0-4073-BCC9-577B9352EA97}" type="datetimeFigureOut">
               <a:rPr lang="en-US" smtClean="0"/>
-              <a:t>7/20/2019</a:t>
+              <a:t>7/21/2019</a:t>
             </a:fld>
             <a:endParaRPr lang="en-US"/>
           </a:p>
@@ -1288,7 +1286,7 @@
           <a:p>
             <a:fld id="{63A1C593-65D0-4073-BCC9-577B9352EA97}" type="datetimeFigureOut">
               <a:rPr lang="en-US" smtClean="0"/>
-              <a:t>7/20/2019</a:t>
+              <a:t>7/21/2019</a:t>
             </a:fld>
             <a:endParaRPr lang="en-US"/>
           </a:p>
@@ -1655,7 +1653,7 @@
           <a:p>
             <a:fld id="{63A1C593-65D0-4073-BCC9-577B9352EA97}" type="datetimeFigureOut">
               <a:rPr lang="en-US" smtClean="0"/>
-              <a:t>7/20/2019</a:t>
+              <a:t>7/21/2019</a:t>
             </a:fld>
             <a:endParaRPr lang="en-US"/>
           </a:p>
@@ -1773,7 +1771,7 @@
           <a:p>
             <a:fld id="{63A1C593-65D0-4073-BCC9-577B9352EA97}" type="datetimeFigureOut">
               <a:rPr lang="en-US" smtClean="0"/>
-              <a:t>7/20/2019</a:t>
+              <a:t>7/21/2019</a:t>
             </a:fld>
             <a:endParaRPr lang="en-US"/>
           </a:p>
@@ -1868,7 +1866,7 @@
           <a:p>
             <a:fld id="{63A1C593-65D0-4073-BCC9-577B9352EA97}" type="datetimeFigureOut">
               <a:rPr lang="en-US" smtClean="0"/>
-              <a:t>7/20/2019</a:t>
+              <a:t>7/21/2019</a:t>
             </a:fld>
             <a:endParaRPr lang="en-US"/>
           </a:p>
@@ -2145,7 +2143,7 @@
           <a:p>
             <a:fld id="{63A1C593-65D0-4073-BCC9-577B9352EA97}" type="datetimeFigureOut">
               <a:rPr lang="en-US" smtClean="0"/>
-              <a:t>7/20/2019</a:t>
+              <a:t>7/21/2019</a:t>
             </a:fld>
             <a:endParaRPr lang="en-US"/>
           </a:p>
@@ -2398,7 +2396,7 @@
           <a:p>
             <a:fld id="{63A1C593-65D0-4073-BCC9-577B9352EA97}" type="datetimeFigureOut">
               <a:rPr lang="en-US" smtClean="0"/>
-              <a:t>7/20/2019</a:t>
+              <a:t>7/21/2019</a:t>
             </a:fld>
             <a:endParaRPr lang="en-US"/>
           </a:p>
@@ -2611,7 +2609,7 @@
           <a:p>
             <a:fld id="{63A1C593-65D0-4073-BCC9-577B9352EA97}" type="datetimeFigureOut">
               <a:rPr lang="en-US" smtClean="0"/>
-              <a:t>7/20/2019</a:t>
+              <a:t>7/21/2019</a:t>
             </a:fld>
             <a:endParaRPr lang="en-US"/>
           </a:p>
@@ -3172,229 +3170,6 @@
             <a:spLocks noGrp="1"/>
           </p:cNvSpPr>
           <p:nvPr>
-            <p:ph type="title"/>
-          </p:nvPr>
-        </p:nvSpPr>
-        <p:spPr/>
-        <p:txBody>
-          <a:bodyPr/>
-          <a:lstStyle/>
-          <a:p>
-            <a:r>
-              <a:rPr lang="en-GB" b="1" dirty="0" smtClean="0">
-                <a:solidFill>
-                  <a:schemeClr val="accent1">
-                    <a:lumMod val="50000"/>
-                  </a:schemeClr>
-                </a:solidFill>
-                <a:latin typeface="+mn-lt"/>
-              </a:rPr>
-              <a:t>How looks Solidity?</a:t>
-            </a:r>
-            <a:endParaRPr lang="en-GB" b="1" dirty="0">
-              <a:solidFill>
-                <a:schemeClr val="accent1">
-                  <a:lumMod val="50000"/>
-                </a:schemeClr>
-              </a:solidFill>
-              <a:latin typeface="+mn-lt"/>
-            </a:endParaRPr>
-          </a:p>
-        </p:txBody>
-      </p:sp>
-      <p:pic>
-        <p:nvPicPr>
-          <p:cNvPr id="4" name="Content Placeholder 3"/>
-          <p:cNvPicPr>
-            <a:picLocks noGrp="1" noChangeAspect="1"/>
-          </p:cNvPicPr>
-          <p:nvPr>
-            <p:ph idx="1"/>
-          </p:nvPr>
-        </p:nvPicPr>
-        <p:blipFill>
-          <a:blip r:embed="rId2">
-            <a:extLst>
-              <a:ext uri="{28A0092B-C50C-407E-A947-70E740481C1C}">
-                <a14:useLocalDpi xmlns:a14="http://schemas.microsoft.com/office/drawing/2010/main" val="0"/>
-              </a:ext>
-            </a:extLst>
-          </a:blip>
-          <a:stretch>
-            <a:fillRect/>
-          </a:stretch>
-        </p:blipFill>
-        <p:spPr>
-          <a:xfrm>
-            <a:off x="1566368" y="1474644"/>
-            <a:ext cx="9059263" cy="4351338"/>
-          </a:xfrm>
-        </p:spPr>
-      </p:pic>
-      <p:sp>
-        <p:nvSpPr>
-          <p:cNvPr id="3" name="TextBox 2"/>
-          <p:cNvSpPr txBox="1"/>
-          <p:nvPr/>
-        </p:nvSpPr>
-        <p:spPr>
-          <a:xfrm>
-            <a:off x="1228437" y="5966690"/>
-            <a:ext cx="10852727" cy="307777"/>
-          </a:xfrm>
-          <a:prstGeom prst="rect">
-            <a:avLst/>
-          </a:prstGeom>
-          <a:noFill/>
-        </p:spPr>
-        <p:txBody>
-          <a:bodyPr wrap="square" rtlCol="0">
-            <a:spAutoFit/>
-          </a:bodyPr>
-          <a:lstStyle/>
-          <a:p>
-            <a:r>
-              <a:rPr lang="en-GB" sz="1400" dirty="0">
-                <a:hlinkClick r:id="rId3"/>
-              </a:rPr>
-              <a:t>https://</a:t>
-            </a:r>
-            <a:r>
-              <a:rPr lang="en-GB" sz="1400" dirty="0" smtClean="0">
-                <a:hlinkClick r:id="rId3"/>
-              </a:rPr>
-              <a:t>github.com/mdamyanova/Blockchain-Basics-Mini-Course/blob/master/03.Ethereum%2C%20Smart%20Contracts/Demo/Cat.sol</a:t>
-            </a:r>
-            <a:endParaRPr lang="en-GB" dirty="0"/>
-          </a:p>
-        </p:txBody>
-      </p:sp>
-    </p:spTree>
-    <p:extLst>
-      <p:ext uri="{BB962C8B-B14F-4D97-AF65-F5344CB8AC3E}">
-        <p14:creationId xmlns:p14="http://schemas.microsoft.com/office/powerpoint/2010/main" val="189784819"/>
-      </p:ext>
-    </p:extLst>
-  </p:cSld>
-  <p:clrMapOvr>
-    <a:masterClrMapping/>
-  </p:clrMapOvr>
-  <p:timing>
-    <p:tnLst>
-      <p:par>
-        <p:cTn id="1" dur="indefinite" restart="never" nodeType="tmRoot">
-          <p:childTnLst>
-            <p:seq concurrent="1" nextAc="seek">
-              <p:cTn id="2" dur="indefinite" nodeType="mainSeq">
-                <p:childTnLst>
-                  <p:par>
-                    <p:cTn id="3" fill="hold">
-                      <p:stCondLst>
-                        <p:cond delay="indefinite"/>
-                        <p:cond evt="onBegin" delay="0">
-                          <p:tn val="2"/>
-                        </p:cond>
-                      </p:stCondLst>
-                      <p:childTnLst>
-                        <p:par>
-                          <p:cTn id="4" fill="hold">
-                            <p:stCondLst>
-                              <p:cond delay="0"/>
-                            </p:stCondLst>
-                            <p:childTnLst>
-                              <p:par>
-                                <p:cTn id="5" presetID="10" presetClass="entr" presetSubtype="0" fill="hold" grpId="0" nodeType="withEffect">
-                                  <p:stCondLst>
-                                    <p:cond delay="0"/>
-                                  </p:stCondLst>
-                                  <p:childTnLst>
-                                    <p:set>
-                                      <p:cBhvr>
-                                        <p:cTn id="6" dur="1" fill="hold">
-                                          <p:stCondLst>
-                                            <p:cond delay="0"/>
-                                          </p:stCondLst>
-                                        </p:cTn>
-                                        <p:tgtEl>
-                                          <p:spTgt spid="3"/>
-                                        </p:tgtEl>
-                                        <p:attrNameLst>
-                                          <p:attrName>style.visibility</p:attrName>
-                                        </p:attrNameLst>
-                                      </p:cBhvr>
-                                      <p:to>
-                                        <p:strVal val="visible"/>
-                                      </p:to>
-                                    </p:set>
-                                    <p:animEffect transition="in" filter="fade">
-                                      <p:cBhvr>
-                                        <p:cTn id="7" dur="500"/>
-                                        <p:tgtEl>
-                                          <p:spTgt spid="3"/>
-                                        </p:tgtEl>
-                                      </p:cBhvr>
-                                    </p:animEffect>
-                                  </p:childTnLst>
-                                </p:cTn>
-                              </p:par>
-                            </p:childTnLst>
-                          </p:cTn>
-                        </p:par>
-                      </p:childTnLst>
-                    </p:cTn>
-                  </p:par>
-                </p:childTnLst>
-              </p:cTn>
-              <p:prevCondLst>
-                <p:cond evt="onPrev" delay="0">
-                  <p:tgtEl>
-                    <p:sldTgt/>
-                  </p:tgtEl>
-                </p:cond>
-              </p:prevCondLst>
-              <p:nextCondLst>
-                <p:cond evt="onNext" delay="0">
-                  <p:tgtEl>
-                    <p:sldTgt/>
-                  </p:tgtEl>
-                </p:cond>
-              </p:nextCondLst>
-            </p:seq>
-          </p:childTnLst>
-        </p:cTn>
-      </p:par>
-    </p:tnLst>
-    <p:bldLst>
-      <p:bldP spid="3" grpId="0"/>
-    </p:bldLst>
-  </p:timing>
-</p:sld>
-</file>
-
-<file path=ppt/slides/slide11.xml><?xml version="1.0" encoding="utf-8"?>
-<p:sld xmlns:a="http://schemas.openxmlformats.org/drawingml/2006/main" xmlns:r="http://schemas.openxmlformats.org/officeDocument/2006/relationships" xmlns:p="http://schemas.openxmlformats.org/presentationml/2006/main">
-  <p:cSld>
-    <p:spTree>
-      <p:nvGrpSpPr>
-        <p:cNvPr id="1" name=""/>
-        <p:cNvGrpSpPr/>
-        <p:nvPr/>
-      </p:nvGrpSpPr>
-      <p:grpSpPr>
-        <a:xfrm>
-          <a:off x="0" y="0"/>
-          <a:ext cx="0" cy="0"/>
-          <a:chOff x="0" y="0"/>
-          <a:chExt cx="0" cy="0"/>
-        </a:xfrm>
-      </p:grpSpPr>
-      <p:sp>
-        <p:nvSpPr>
-          <p:cNvPr id="2" name="Title 1"/>
-          <p:cNvSpPr>
-            <a:spLocks noGrp="1"/>
-          </p:cNvSpPr>
-          <p:nvPr>
             <p:ph type="ctrTitle"/>
           </p:nvPr>
         </p:nvSpPr>
@@ -3495,7 +3270,7 @@
 </p:sld>
 </file>
 
-<file path=ppt/slides/slide12.xml><?xml version="1.0" encoding="utf-8"?>
+<file path=ppt/slides/slide11.xml><?xml version="1.0" encoding="utf-8"?>
 <p:sld xmlns:a="http://schemas.openxmlformats.org/drawingml/2006/main" xmlns:r="http://schemas.openxmlformats.org/officeDocument/2006/relationships" xmlns:p="http://schemas.openxmlformats.org/presentationml/2006/main">
   <p:cSld>
     <p:spTree>
@@ -3606,7 +3381,7 @@
               <a:buChar char="§"/>
             </a:pPr>
             <a:r>
-              <a:rPr lang="en-GB" sz="2800" b="1" dirty="0" err="1" smtClean="0">
+              <a:rPr lang="en-GB" sz="2800" b="1" dirty="0" smtClean="0">
                 <a:solidFill>
                   <a:schemeClr val="accent1">
                     <a:lumMod val="50000"/>
@@ -3615,13 +3390,6 @@
               </a:rPr>
               <a:t>Ethereum</a:t>
             </a:r>
-            <a:endParaRPr lang="en-GB" sz="2800" b="1" dirty="0" smtClean="0">
-              <a:solidFill>
-                <a:schemeClr val="accent1">
-                  <a:lumMod val="50000"/>
-                </a:schemeClr>
-              </a:solidFill>
-            </a:endParaRPr>
           </a:p>
           <a:p>
             <a:pPr marL="914400" lvl="1" indent="-457200">
@@ -3649,7 +3417,7 @@
               <a:t>based upon </a:t>
             </a:r>
             <a:r>
-              <a:rPr lang="en-GB" sz="2400" b="1" dirty="0" err="1">
+              <a:rPr lang="en-GB" sz="2400" b="1" dirty="0">
                 <a:solidFill>
                   <a:schemeClr val="accent1">
                     <a:lumMod val="50000"/>
@@ -3699,17 +3467,7 @@
                   </a:schemeClr>
                 </a:solidFill>
               </a:rPr>
-              <a:t>Smart </a:t>
-            </a:r>
-            <a:r>
-              <a:rPr lang="en-GB" sz="2800" b="1" dirty="0" smtClean="0">
-                <a:solidFill>
-                  <a:schemeClr val="accent1">
-                    <a:lumMod val="50000"/>
-                  </a:schemeClr>
-                </a:solidFill>
-              </a:rPr>
-              <a:t>Contracts</a:t>
+              <a:t>Smart Contracts</a:t>
             </a:r>
           </a:p>
           <a:p>
@@ -4299,7 +4057,40 @@
                   </a:schemeClr>
                 </a:solidFill>
               </a:rPr>
-              <a:t>What are Smart Contracts?</a:t>
+              <a:t>What is Ethereum?</a:t>
+            </a:r>
+            <a:endParaRPr lang="bg-BG" dirty="0" smtClean="0">
+              <a:solidFill>
+                <a:schemeClr val="accent1">
+                  <a:lumMod val="50000"/>
+                </a:schemeClr>
+              </a:solidFill>
+            </a:endParaRPr>
+          </a:p>
+          <a:p>
+            <a:pPr>
+              <a:buFont typeface="Wingdings" panose="05000000000000000000" pitchFamily="2" charset="2"/>
+              <a:buChar char="§"/>
+            </a:pPr>
+            <a:r>
+              <a:rPr lang="en-GB" dirty="0" smtClean="0">
+                <a:solidFill>
+                  <a:schemeClr val="accent1">
+                    <a:lumMod val="50000"/>
+                  </a:schemeClr>
+                </a:solidFill>
+              </a:rPr>
+              <a:t>What </a:t>
+            </a:r>
+            <a:r>
+              <a:rPr lang="en-GB" dirty="0" smtClean="0">
+                <a:solidFill>
+                  <a:schemeClr val="accent1">
+                    <a:lumMod val="50000"/>
+                  </a:schemeClr>
+                </a:solidFill>
+              </a:rPr>
+              <a:t>are Smart Contracts?</a:t>
             </a:r>
           </a:p>
           <a:p>
@@ -4379,9 +4170,6 @@
                     <p:cTn id="3" fill="hold">
                       <p:stCondLst>
                         <p:cond delay="indefinite"/>
-                        <p:cond evt="onBegin" delay="0">
-                          <p:tn val="2"/>
-                        </p:cond>
                       </p:stCondLst>
                       <p:childTnLst>
                         <p:par>
@@ -4391,7 +4179,7 @@
                             </p:stCondLst>
                             <p:childTnLst>
                               <p:par>
-                                <p:cTn id="5" presetID="10" presetClass="entr" presetSubtype="0" fill="hold" nodeType="withEffect">
+                                <p:cTn id="5" presetID="10" presetClass="entr" presetSubtype="0" fill="hold" nodeType="clickEffect">
                                   <p:stCondLst>
                                     <p:cond delay="0"/>
                                   </p:stCondLst>
@@ -4486,6 +4274,67 @@
                                           <p:spTgt spid="3">
                                             <p:txEl>
                                               <p:pRg st="1" end="1"/>
+                                            </p:txEl>
+                                          </p:spTgt>
+                                        </p:tgtEl>
+                                      </p:cBhvr>
+                                    </p:animEffect>
+                                  </p:childTnLst>
+                                </p:cTn>
+                              </p:par>
+                            </p:childTnLst>
+                          </p:cTn>
+                        </p:par>
+                      </p:childTnLst>
+                    </p:cTn>
+                  </p:par>
+                  <p:par>
+                    <p:cTn id="13" fill="hold">
+                      <p:stCondLst>
+                        <p:cond delay="indefinite"/>
+                      </p:stCondLst>
+                      <p:childTnLst>
+                        <p:par>
+                          <p:cTn id="14" fill="hold">
+                            <p:stCondLst>
+                              <p:cond delay="0"/>
+                            </p:stCondLst>
+                            <p:childTnLst>
+                              <p:par>
+                                <p:cTn id="15" presetID="10" presetClass="entr" presetSubtype="0" fill="hold" nodeType="clickEffect">
+                                  <p:stCondLst>
+                                    <p:cond delay="0"/>
+                                  </p:stCondLst>
+                                  <p:childTnLst>
+                                    <p:set>
+                                      <p:cBhvr>
+                                        <p:cTn id="16" dur="1" fill="hold">
+                                          <p:stCondLst>
+                                            <p:cond delay="0"/>
+                                          </p:stCondLst>
+                                        </p:cTn>
+                                        <p:tgtEl>
+                                          <p:spTgt spid="3">
+                                            <p:txEl>
+                                              <p:pRg st="2" end="2"/>
+                                            </p:txEl>
+                                          </p:spTgt>
+                                        </p:tgtEl>
+                                        <p:attrNameLst>
+                                          <p:attrName>style.visibility</p:attrName>
+                                        </p:attrNameLst>
+                                      </p:cBhvr>
+                                      <p:to>
+                                        <p:strVal val="visible"/>
+                                      </p:to>
+                                    </p:set>
+                                    <p:animEffect transition="in" filter="fade">
+                                      <p:cBhvr>
+                                        <p:cTn id="17" dur="500"/>
+                                        <p:tgtEl>
+                                          <p:spTgt spid="3">
+                                            <p:txEl>
+                                              <p:pRg st="2" end="2"/>
                                             </p:txEl>
                                           </p:spTgt>
                                         </p:tgtEl>
@@ -5739,39 +5588,47 @@
           <a:chExt cx="0" cy="0"/>
         </a:xfrm>
       </p:grpSpPr>
-      <p:pic>
-        <p:nvPicPr>
-          <p:cNvPr id="4" name="Content Placeholder 3"/>
-          <p:cNvPicPr>
-            <a:picLocks noGrp="1" noChangeAspect="1"/>
-          </p:cNvPicPr>
-          <p:nvPr>
-            <p:ph idx="1"/>
-          </p:nvPr>
-        </p:nvPicPr>
-        <p:blipFill>
-          <a:blip r:embed="rId2">
-            <a:extLst>
-              <a:ext uri="{28A0092B-C50C-407E-A947-70E740481C1C}">
-                <a14:useLocalDpi xmlns:a14="http://schemas.microsoft.com/office/drawing/2010/main" val="0"/>
-              </a:ext>
-            </a:extLst>
-          </a:blip>
-          <a:stretch>
-            <a:fillRect/>
-          </a:stretch>
-        </p:blipFill>
-        <p:spPr>
-          <a:xfrm>
-            <a:off x="720147" y="548048"/>
-            <a:ext cx="10549426" cy="6028243"/>
-          </a:xfrm>
-        </p:spPr>
-      </p:pic>
+      <p:sp>
+        <p:nvSpPr>
+          <p:cNvPr id="2" name="Title 1"/>
+          <p:cNvSpPr>
+            <a:spLocks noGrp="1"/>
+          </p:cNvSpPr>
+          <p:nvPr>
+            <p:ph type="ctrTitle"/>
+          </p:nvPr>
+        </p:nvSpPr>
+        <p:spPr/>
+        <p:txBody>
+          <a:bodyPr/>
+          <a:lstStyle/>
+          <a:p>
+            <a:r>
+              <a:rPr lang="en-GB" b="1" dirty="0" smtClean="0">
+                <a:solidFill>
+                  <a:schemeClr val="accent1">
+                    <a:lumMod val="50000"/>
+                  </a:schemeClr>
+                </a:solidFill>
+                <a:latin typeface="+mn-lt"/>
+              </a:rPr>
+              <a:t>Solidity</a:t>
+            </a:r>
+            <a:endParaRPr lang="en-GB" b="1" dirty="0">
+              <a:solidFill>
+                <a:schemeClr val="accent1">
+                  <a:lumMod val="50000"/>
+                </a:schemeClr>
+              </a:solidFill>
+              <a:latin typeface="+mn-lt"/>
+            </a:endParaRPr>
+          </a:p>
+        </p:txBody>
+      </p:sp>
     </p:spTree>
     <p:extLst>
       <p:ext uri="{BB962C8B-B14F-4D97-AF65-F5344CB8AC3E}">
-        <p14:creationId xmlns:p14="http://schemas.microsoft.com/office/powerpoint/2010/main" val="3961464019"/>
+        <p14:creationId xmlns:p14="http://schemas.microsoft.com/office/powerpoint/2010/main" val="2536967052"/>
       </p:ext>
     </p:extLst>
   </p:cSld>
@@ -5812,7 +5669,7 @@
             <a:spLocks noGrp="1"/>
           </p:cNvSpPr>
           <p:nvPr>
-            <p:ph type="ctrTitle"/>
+            <p:ph type="title"/>
           </p:nvPr>
         </p:nvSpPr>
         <p:spPr/>
@@ -5829,7 +5686,7 @@
                 </a:solidFill>
                 <a:latin typeface="+mn-lt"/>
               </a:rPr>
-              <a:t>Solidity</a:t>
+              <a:t>What is Solidity?</a:t>
             </a:r>
             <a:endParaRPr lang="en-GB" b="1" dirty="0">
               <a:solidFill>
@@ -5842,80 +5699,6 @@
           </a:p>
         </p:txBody>
       </p:sp>
-    </p:spTree>
-    <p:extLst>
-      <p:ext uri="{BB962C8B-B14F-4D97-AF65-F5344CB8AC3E}">
-        <p14:creationId xmlns:p14="http://schemas.microsoft.com/office/powerpoint/2010/main" val="2536967052"/>
-      </p:ext>
-    </p:extLst>
-  </p:cSld>
-  <p:clrMapOvr>
-    <a:masterClrMapping/>
-  </p:clrMapOvr>
-  <p:timing>
-    <p:tnLst>
-      <p:par>
-        <p:cTn id="1" dur="indefinite" restart="never" nodeType="tmRoot"/>
-      </p:par>
-    </p:tnLst>
-  </p:timing>
-</p:sld>
-</file>
-
-<file path=ppt/slides/slide9.xml><?xml version="1.0" encoding="utf-8"?>
-<p:sld xmlns:a="http://schemas.openxmlformats.org/drawingml/2006/main" xmlns:r="http://schemas.openxmlformats.org/officeDocument/2006/relationships" xmlns:p="http://schemas.openxmlformats.org/presentationml/2006/main">
-  <p:cSld>
-    <p:spTree>
-      <p:nvGrpSpPr>
-        <p:cNvPr id="1" name=""/>
-        <p:cNvGrpSpPr/>
-        <p:nvPr/>
-      </p:nvGrpSpPr>
-      <p:grpSpPr>
-        <a:xfrm>
-          <a:off x="0" y="0"/>
-          <a:ext cx="0" cy="0"/>
-          <a:chOff x="0" y="0"/>
-          <a:chExt cx="0" cy="0"/>
-        </a:xfrm>
-      </p:grpSpPr>
-      <p:sp>
-        <p:nvSpPr>
-          <p:cNvPr id="2" name="Title 1"/>
-          <p:cNvSpPr>
-            <a:spLocks noGrp="1"/>
-          </p:cNvSpPr>
-          <p:nvPr>
-            <p:ph type="title"/>
-          </p:nvPr>
-        </p:nvSpPr>
-        <p:spPr/>
-        <p:txBody>
-          <a:bodyPr/>
-          <a:lstStyle/>
-          <a:p>
-            <a:r>
-              <a:rPr lang="en-GB" b="1" dirty="0" smtClean="0">
-                <a:solidFill>
-                  <a:schemeClr val="accent1">
-                    <a:lumMod val="50000"/>
-                  </a:schemeClr>
-                </a:solidFill>
-                <a:latin typeface="+mn-lt"/>
-              </a:rPr>
-              <a:t>What is Solidity?</a:t>
-            </a:r>
-            <a:endParaRPr lang="en-GB" b="1" dirty="0">
-              <a:solidFill>
-                <a:schemeClr val="accent1">
-                  <a:lumMod val="50000"/>
-                </a:schemeClr>
-              </a:solidFill>
-              <a:latin typeface="+mn-lt"/>
-            </a:endParaRPr>
-          </a:p>
-        </p:txBody>
-      </p:sp>
       <p:sp>
         <p:nvSpPr>
           <p:cNvPr id="3" name="Content Placeholder 2"/>
@@ -5936,6 +5719,16 @@
               <a:buChar char="§"/>
             </a:pPr>
             <a:r>
+              <a:rPr lang="en-GB" b="1" dirty="0" smtClean="0">
+                <a:solidFill>
+                  <a:schemeClr val="accent1">
+                    <a:lumMod val="50000"/>
+                  </a:schemeClr>
+                </a:solidFill>
+              </a:rPr>
+              <a:t>Programming language </a:t>
+            </a:r>
+            <a:r>
               <a:rPr lang="en-GB" dirty="0" smtClean="0">
                 <a:solidFill>
                   <a:schemeClr val="accent1">
@@ -5943,7 +5736,47 @@
                   </a:schemeClr>
                 </a:solidFill>
               </a:rPr>
-              <a:t>Programming language for writing Smart Contracts in Ethereum network</a:t>
+              <a:t>for writing </a:t>
+            </a:r>
+            <a:r>
+              <a:rPr lang="en-GB" b="1" dirty="0" smtClean="0">
+                <a:solidFill>
+                  <a:schemeClr val="accent1">
+                    <a:lumMod val="50000"/>
+                  </a:schemeClr>
+                </a:solidFill>
+              </a:rPr>
+              <a:t>Smart Contracts </a:t>
+            </a:r>
+            <a:r>
+              <a:rPr lang="en-GB" dirty="0" smtClean="0">
+                <a:solidFill>
+                  <a:schemeClr val="accent1">
+                    <a:lumMod val="50000"/>
+                  </a:schemeClr>
+                </a:solidFill>
+              </a:rPr>
+              <a:t>in </a:t>
+            </a:r>
+            <a:r>
+              <a:rPr lang="en-GB" b="1" dirty="0" smtClean="0">
+                <a:solidFill>
+                  <a:schemeClr val="accent1">
+                    <a:lumMod val="50000"/>
+                  </a:schemeClr>
+                </a:solidFill>
+              </a:rPr>
+              <a:t>Ethereum</a:t>
+            </a:r>
+            <a:r>
+              <a:rPr lang="en-GB" dirty="0" smtClean="0">
+                <a:solidFill>
+                  <a:schemeClr val="accent1">
+                    <a:lumMod val="50000"/>
+                  </a:schemeClr>
+                </a:solidFill>
+              </a:rPr>
+              <a:t> network</a:t>
             </a:r>
             <a:endParaRPr lang="en-GB" dirty="0">
               <a:solidFill>
@@ -6088,6 +5921,229 @@
         </p:cTn>
       </p:par>
     </p:tnLst>
+  </p:timing>
+</p:sld>
+</file>
+
+<file path=ppt/slides/slide9.xml><?xml version="1.0" encoding="utf-8"?>
+<p:sld xmlns:a="http://schemas.openxmlformats.org/drawingml/2006/main" xmlns:r="http://schemas.openxmlformats.org/officeDocument/2006/relationships" xmlns:p="http://schemas.openxmlformats.org/presentationml/2006/main">
+  <p:cSld>
+    <p:spTree>
+      <p:nvGrpSpPr>
+        <p:cNvPr id="1" name=""/>
+        <p:cNvGrpSpPr/>
+        <p:nvPr/>
+      </p:nvGrpSpPr>
+      <p:grpSpPr>
+        <a:xfrm>
+          <a:off x="0" y="0"/>
+          <a:ext cx="0" cy="0"/>
+          <a:chOff x="0" y="0"/>
+          <a:chExt cx="0" cy="0"/>
+        </a:xfrm>
+      </p:grpSpPr>
+      <p:sp>
+        <p:nvSpPr>
+          <p:cNvPr id="2" name="Title 1"/>
+          <p:cNvSpPr>
+            <a:spLocks noGrp="1"/>
+          </p:cNvSpPr>
+          <p:nvPr>
+            <p:ph type="title"/>
+          </p:nvPr>
+        </p:nvSpPr>
+        <p:spPr/>
+        <p:txBody>
+          <a:bodyPr/>
+          <a:lstStyle/>
+          <a:p>
+            <a:r>
+              <a:rPr lang="en-GB" b="1" dirty="0" smtClean="0">
+                <a:solidFill>
+                  <a:schemeClr val="accent1">
+                    <a:lumMod val="50000"/>
+                  </a:schemeClr>
+                </a:solidFill>
+                <a:latin typeface="+mn-lt"/>
+              </a:rPr>
+              <a:t>How looks Solidity?</a:t>
+            </a:r>
+            <a:endParaRPr lang="en-GB" b="1" dirty="0">
+              <a:solidFill>
+                <a:schemeClr val="accent1">
+                  <a:lumMod val="50000"/>
+                </a:schemeClr>
+              </a:solidFill>
+              <a:latin typeface="+mn-lt"/>
+            </a:endParaRPr>
+          </a:p>
+        </p:txBody>
+      </p:sp>
+      <p:pic>
+        <p:nvPicPr>
+          <p:cNvPr id="4" name="Content Placeholder 3"/>
+          <p:cNvPicPr>
+            <a:picLocks noGrp="1" noChangeAspect="1"/>
+          </p:cNvPicPr>
+          <p:nvPr>
+            <p:ph idx="1"/>
+          </p:nvPr>
+        </p:nvPicPr>
+        <p:blipFill>
+          <a:blip r:embed="rId2">
+            <a:extLst>
+              <a:ext uri="{28A0092B-C50C-407E-A947-70E740481C1C}">
+                <a14:useLocalDpi xmlns:a14="http://schemas.microsoft.com/office/drawing/2010/main" val="0"/>
+              </a:ext>
+            </a:extLst>
+          </a:blip>
+          <a:stretch>
+            <a:fillRect/>
+          </a:stretch>
+        </p:blipFill>
+        <p:spPr>
+          <a:xfrm>
+            <a:off x="1566368" y="1474644"/>
+            <a:ext cx="9059263" cy="4351338"/>
+          </a:xfrm>
+        </p:spPr>
+      </p:pic>
+      <p:sp>
+        <p:nvSpPr>
+          <p:cNvPr id="3" name="TextBox 2"/>
+          <p:cNvSpPr txBox="1"/>
+          <p:nvPr/>
+        </p:nvSpPr>
+        <p:spPr>
+          <a:xfrm>
+            <a:off x="1228437" y="5966690"/>
+            <a:ext cx="10852727" cy="307777"/>
+          </a:xfrm>
+          <a:prstGeom prst="rect">
+            <a:avLst/>
+          </a:prstGeom>
+          <a:noFill/>
+        </p:spPr>
+        <p:txBody>
+          <a:bodyPr wrap="square" rtlCol="0">
+            <a:spAutoFit/>
+          </a:bodyPr>
+          <a:lstStyle/>
+          <a:p>
+            <a:r>
+              <a:rPr lang="en-GB" sz="1400" dirty="0">
+                <a:hlinkClick r:id="rId3"/>
+              </a:rPr>
+              <a:t>https://</a:t>
+            </a:r>
+            <a:r>
+              <a:rPr lang="en-GB" sz="1400" dirty="0" smtClean="0">
+                <a:hlinkClick r:id="rId3"/>
+              </a:rPr>
+              <a:t>github.com/mdamyanova/Blockchain-Basics-Mini-Course/blob/master/03.Ethereum%2C%20Smart%20Contracts/Demo/Cat.sol</a:t>
+            </a:r>
+            <a:endParaRPr lang="en-GB" dirty="0"/>
+          </a:p>
+        </p:txBody>
+      </p:sp>
+    </p:spTree>
+    <p:extLst>
+      <p:ext uri="{BB962C8B-B14F-4D97-AF65-F5344CB8AC3E}">
+        <p14:creationId xmlns:p14="http://schemas.microsoft.com/office/powerpoint/2010/main" val="189784819"/>
+      </p:ext>
+    </p:extLst>
+  </p:cSld>
+  <p:clrMapOvr>
+    <a:masterClrMapping/>
+  </p:clrMapOvr>
+  <p:timing>
+    <p:tnLst>
+      <p:par>
+        <p:cTn id="1" dur="indefinite" restart="never" nodeType="tmRoot">
+          <p:childTnLst>
+            <p:seq concurrent="1" nextAc="seek">
+              <p:cTn id="2" dur="indefinite" nodeType="mainSeq">
+                <p:childTnLst>
+                  <p:par>
+                    <p:cTn id="3" fill="hold">
+                      <p:stCondLst>
+                        <p:cond delay="indefinite"/>
+                        <p:cond evt="onBegin" delay="0">
+                          <p:tn val="2"/>
+                        </p:cond>
+                      </p:stCondLst>
+                      <p:childTnLst>
+                        <p:par>
+                          <p:cTn id="4" fill="hold">
+                            <p:stCondLst>
+                              <p:cond delay="0"/>
+                            </p:stCondLst>
+                            <p:childTnLst>
+                              <p:par>
+                                <p:cTn id="5" presetID="10" presetClass="entr" presetSubtype="0" fill="hold" grpId="0" nodeType="withEffect">
+                                  <p:stCondLst>
+                                    <p:cond delay="0"/>
+                                  </p:stCondLst>
+                                  <p:childTnLst>
+                                    <p:set>
+                                      <p:cBhvr>
+                                        <p:cTn id="6" dur="1" fill="hold">
+                                          <p:stCondLst>
+                                            <p:cond delay="0"/>
+                                          </p:stCondLst>
+                                        </p:cTn>
+                                        <p:tgtEl>
+                                          <p:spTgt spid="3"/>
+                                        </p:tgtEl>
+                                        <p:attrNameLst>
+                                          <p:attrName>style.visibility</p:attrName>
+                                        </p:attrNameLst>
+                                      </p:cBhvr>
+                                      <p:to>
+                                        <p:strVal val="visible"/>
+                                      </p:to>
+                                    </p:set>
+                                    <p:animEffect transition="in" filter="fade">
+                                      <p:cBhvr>
+                                        <p:cTn id="7" dur="500"/>
+                                        <p:tgtEl>
+                                          <p:spTgt spid="3"/>
+                                        </p:tgtEl>
+                                      </p:cBhvr>
+                                    </p:animEffect>
+                                  </p:childTnLst>
+                                </p:cTn>
+                              </p:par>
+                            </p:childTnLst>
+                          </p:cTn>
+                        </p:par>
+                      </p:childTnLst>
+                    </p:cTn>
+                  </p:par>
+                </p:childTnLst>
+              </p:cTn>
+              <p:prevCondLst>
+                <p:cond evt="onPrev" delay="0">
+                  <p:tgtEl>
+                    <p:sldTgt/>
+                  </p:tgtEl>
+                </p:cond>
+              </p:prevCondLst>
+              <p:nextCondLst>
+                <p:cond evt="onNext" delay="0">
+                  <p:tgtEl>
+                    <p:sldTgt/>
+                  </p:tgtEl>
+                </p:cond>
+              </p:nextCondLst>
+            </p:seq>
+          </p:childTnLst>
+        </p:cTn>
+      </p:par>
+    </p:tnLst>
+    <p:bldLst>
+      <p:bldP spid="3" grpId="0"/>
+    </p:bldLst>
   </p:timing>
 </p:sld>
 </file>

--- a/03.Ethereum, Smart Contracts/03.Blockchain-Ethereum, Smart Contracts Introduction-Presentation.pptx
+++ b/03.Ethereum, Smart Contracts/03.Blockchain-Ethereum, Smart Contracts Introduction-Presentation.pptx
@@ -4080,17 +4080,7 @@
                   </a:schemeClr>
                 </a:solidFill>
               </a:rPr>
-              <a:t>What </a:t>
-            </a:r>
-            <a:r>
-              <a:rPr lang="en-GB" dirty="0" smtClean="0">
-                <a:solidFill>
-                  <a:schemeClr val="accent1">
-                    <a:lumMod val="50000"/>
-                  </a:schemeClr>
-                </a:solidFill>
-              </a:rPr>
-              <a:t>are Smart Contracts?</a:t>
+              <a:t>What are Smart Contracts?</a:t>
             </a:r>
           </a:p>
           <a:p>
